--- a/Aula07-Layouts no Flutter/Aula07-Layouts no Flutter.pptx
+++ b/Aula07-Layouts no Flutter/Aula07-Layouts no Flutter.pptx
@@ -30,7 +30,7 @@
       <p:boldItalic r:id="rId18"/>
     </p:embeddedFont>
     <p:embeddedFont>
-      <p:font typeface="Lato Bold" panose="020F0502020204030203" pitchFamily="34" charset="0"/>
+      <p:font typeface="Lato Bold" panose="020F0502020204030203" charset="0"/>
       <p:regular r:id="rId19"/>
       <p:bold r:id="rId20"/>
     </p:embeddedFont>
@@ -42,7 +42,7 @@
       <p:boldItalic r:id="rId24"/>
     </p:embeddedFont>
     <p:embeddedFont>
-      <p:font typeface="Poppins Bold" panose="00000800000000000000" pitchFamily="2" charset="0"/>
+      <p:font typeface="Poppins Bold" panose="00000800000000000000" charset="0"/>
       <p:regular r:id="rId25"/>
       <p:bold r:id="rId26"/>
     </p:embeddedFont>
@@ -354,7 +354,7 @@
             <a:fld id="{1D8BD707-D9CF-40AE-B4C6-C98DA3205C09}" type="datetimeFigureOut">
               <a:rPr lang="en-US" smtClean="0"/>
               <a:pPr/>
-              <a:t>3/31/2024</a:t>
+              <a:t>11/24/2025</a:t>
             </a:fld>
             <a:endParaRPr lang="en-US"/>
           </a:p>
@@ -519,7 +519,7 @@
             <a:fld id="{1D8BD707-D9CF-40AE-B4C6-C98DA3205C09}" type="datetimeFigureOut">
               <a:rPr lang="en-US" smtClean="0"/>
               <a:pPr/>
-              <a:t>3/31/2024</a:t>
+              <a:t>11/24/2025</a:t>
             </a:fld>
             <a:endParaRPr lang="en-US"/>
           </a:p>
@@ -694,7 +694,7 @@
             <a:fld id="{1D8BD707-D9CF-40AE-B4C6-C98DA3205C09}" type="datetimeFigureOut">
               <a:rPr lang="en-US" smtClean="0"/>
               <a:pPr/>
-              <a:t>3/31/2024</a:t>
+              <a:t>11/24/2025</a:t>
             </a:fld>
             <a:endParaRPr lang="en-US"/>
           </a:p>
@@ -859,7 +859,7 @@
             <a:fld id="{1D8BD707-D9CF-40AE-B4C6-C98DA3205C09}" type="datetimeFigureOut">
               <a:rPr lang="en-US" smtClean="0"/>
               <a:pPr/>
-              <a:t>3/31/2024</a:t>
+              <a:t>11/24/2025</a:t>
             </a:fld>
             <a:endParaRPr lang="en-US"/>
           </a:p>
@@ -1101,7 +1101,7 @@
             <a:fld id="{1D8BD707-D9CF-40AE-B4C6-C98DA3205C09}" type="datetimeFigureOut">
               <a:rPr lang="en-US" smtClean="0"/>
               <a:pPr/>
-              <a:t>3/31/2024</a:t>
+              <a:t>11/24/2025</a:t>
             </a:fld>
             <a:endParaRPr lang="en-US"/>
           </a:p>
@@ -1383,7 +1383,7 @@
             <a:fld id="{1D8BD707-D9CF-40AE-B4C6-C98DA3205C09}" type="datetimeFigureOut">
               <a:rPr lang="en-US" smtClean="0"/>
               <a:pPr/>
-              <a:t>3/31/2024</a:t>
+              <a:t>11/24/2025</a:t>
             </a:fld>
             <a:endParaRPr lang="en-US"/>
           </a:p>
@@ -1799,7 +1799,7 @@
             <a:fld id="{1D8BD707-D9CF-40AE-B4C6-C98DA3205C09}" type="datetimeFigureOut">
               <a:rPr lang="en-US" smtClean="0"/>
               <a:pPr/>
-              <a:t>3/31/2024</a:t>
+              <a:t>11/24/2025</a:t>
             </a:fld>
             <a:endParaRPr lang="en-US"/>
           </a:p>
@@ -1913,7 +1913,7 @@
             <a:fld id="{1D8BD707-D9CF-40AE-B4C6-C98DA3205C09}" type="datetimeFigureOut">
               <a:rPr lang="en-US" smtClean="0"/>
               <a:pPr/>
-              <a:t>3/31/2024</a:t>
+              <a:t>11/24/2025</a:t>
             </a:fld>
             <a:endParaRPr lang="en-US"/>
           </a:p>
@@ -2005,7 +2005,7 @@
             <a:fld id="{1D8BD707-D9CF-40AE-B4C6-C98DA3205C09}" type="datetimeFigureOut">
               <a:rPr lang="en-US" smtClean="0"/>
               <a:pPr/>
-              <a:t>3/31/2024</a:t>
+              <a:t>11/24/2025</a:t>
             </a:fld>
             <a:endParaRPr lang="en-US"/>
           </a:p>
@@ -2277,7 +2277,7 @@
             <a:fld id="{1D8BD707-D9CF-40AE-B4C6-C98DA3205C09}" type="datetimeFigureOut">
               <a:rPr lang="en-US" smtClean="0"/>
               <a:pPr/>
-              <a:t>3/31/2024</a:t>
+              <a:t>11/24/2025</a:t>
             </a:fld>
             <a:endParaRPr lang="en-US"/>
           </a:p>
@@ -2526,7 +2526,7 @@
             <a:fld id="{1D8BD707-D9CF-40AE-B4C6-C98DA3205C09}" type="datetimeFigureOut">
               <a:rPr lang="en-US" smtClean="0"/>
               <a:pPr/>
-              <a:t>3/31/2024</a:t>
+              <a:t>11/24/2025</a:t>
             </a:fld>
             <a:endParaRPr lang="en-US"/>
           </a:p>
@@ -2734,7 +2734,7 @@
             <a:fld id="{1D8BD707-D9CF-40AE-B4C6-C98DA3205C09}" type="datetimeFigureOut">
               <a:rPr lang="en-US" smtClean="0"/>
               <a:pPr/>
-              <a:t>3/31/2024</a:t>
+              <a:t>11/24/2025</a:t>
             </a:fld>
             <a:endParaRPr lang="en-US"/>
           </a:p>
@@ -3158,6 +3158,13 @@
               <a:srgbClr val="5271FF"/>
             </a:solidFill>
           </p:spPr>
+          <p:txBody>
+            <a:bodyPr/>
+            <a:lstStyle/>
+            <a:p>
+              <a:endParaRPr lang="pt-BR"/>
+            </a:p>
+          </p:txBody>
         </p:sp>
       </p:grpSp>
       <p:grpSp>
@@ -3232,6 +3239,13 @@
               <a:srgbClr val="FFFFFF"/>
             </a:solidFill>
           </p:spPr>
+          <p:txBody>
+            <a:bodyPr/>
+            <a:lstStyle/>
+            <a:p>
+              <a:endParaRPr lang="pt-BR"/>
+            </a:p>
+          </p:txBody>
         </p:sp>
       </p:grpSp>
       <p:grpSp>
@@ -3306,6 +3320,13 @@
               <a:srgbClr val="2B4A9D"/>
             </a:solidFill>
           </p:spPr>
+          <p:txBody>
+            <a:bodyPr/>
+            <a:lstStyle/>
+            <a:p>
+              <a:endParaRPr lang="pt-BR"/>
+            </a:p>
+          </p:txBody>
         </p:sp>
       </p:grpSp>
       <p:sp>
@@ -3355,7 +3376,7 @@
         <p:spPr>
           <a:xfrm>
             <a:off x="785151" y="7260387"/>
-            <a:ext cx="12616379" cy="547370"/>
+            <a:ext cx="12616379" cy="3033716"/>
           </a:xfrm>
           <a:prstGeom prst="rect">
             <a:avLst/>
@@ -3366,21 +3387,118 @@
             <a:spAutoFit/>
           </a:bodyPr>
           <a:lstStyle/>
+          <a:p>
+            <a:pPr>
+              <a:lnSpc>
+                <a:spcPts val="4900"/>
+              </a:lnSpc>
+            </a:pPr>
+            <a:r>
+              <a:rPr lang="en-US" sz="3200" spc="320" dirty="0" err="1">
+                <a:solidFill>
+                  <a:srgbClr val="000000"/>
+                </a:solidFill>
+                <a:latin typeface="Lato"/>
+              </a:rPr>
+              <a:t>Apresentado</a:t>
+            </a:r>
+            <a:r>
+              <a:rPr lang="en-US" sz="3200" spc="320" dirty="0">
+                <a:solidFill>
+                  <a:srgbClr val="000000"/>
+                </a:solidFill>
+                <a:latin typeface="Lato"/>
+              </a:rPr>
+              <a:t> </a:t>
+            </a:r>
+            <a:r>
+              <a:rPr lang="en-US" sz="3200" spc="320" dirty="0" err="1">
+                <a:solidFill>
+                  <a:srgbClr val="000000"/>
+                </a:solidFill>
+                <a:latin typeface="Lato"/>
+              </a:rPr>
+              <a:t>por</a:t>
+            </a:r>
+            <a:r>
+              <a:rPr lang="en-US" sz="3200" spc="320" dirty="0">
+                <a:solidFill>
+                  <a:srgbClr val="000000"/>
+                </a:solidFill>
+                <a:latin typeface="Lato"/>
+              </a:rPr>
+              <a:t>: </a:t>
+            </a:r>
+          </a:p>
+          <a:p>
+            <a:pPr>
+              <a:lnSpc>
+                <a:spcPts val="4900"/>
+              </a:lnSpc>
+            </a:pPr>
+            <a:r>
+              <a:rPr lang="en-US" sz="3200" spc="350" dirty="0">
+                <a:solidFill>
+                  <a:srgbClr val="000000"/>
+                </a:solidFill>
+                <a:latin typeface="Lato"/>
+              </a:rPr>
+              <a:t>Paulo Vitor</a:t>
+            </a:r>
+          </a:p>
+          <a:p>
+            <a:pPr>
+              <a:lnSpc>
+                <a:spcPts val="4900"/>
+              </a:lnSpc>
+            </a:pPr>
+            <a:r>
+              <a:rPr lang="en-US" sz="3200" spc="350" dirty="0" err="1">
+                <a:solidFill>
+                  <a:srgbClr val="000000"/>
+                </a:solidFill>
+                <a:latin typeface="Lato"/>
+              </a:rPr>
+              <a:t>Talysson</a:t>
+            </a:r>
+            <a:r>
+              <a:rPr lang="en-US" sz="3200" spc="350" dirty="0">
+                <a:solidFill>
+                  <a:srgbClr val="000000"/>
+                </a:solidFill>
+                <a:latin typeface="Lato"/>
+              </a:rPr>
+              <a:t> Vasconcelos</a:t>
+            </a:r>
+          </a:p>
+          <a:p>
+            <a:pPr>
+              <a:lnSpc>
+                <a:spcPts val="4900"/>
+              </a:lnSpc>
+            </a:pPr>
+            <a:r>
+              <a:rPr lang="en-US" sz="3200" spc="350" dirty="0">
+                <a:solidFill>
+                  <a:srgbClr val="000000"/>
+                </a:solidFill>
+                <a:latin typeface="Lato"/>
+              </a:rPr>
+              <a:t>João Hungria</a:t>
+            </a:r>
+          </a:p>
           <a:p>
             <a:pPr>
               <a:lnSpc>
                 <a:spcPts val="4480"/>
               </a:lnSpc>
             </a:pPr>
-            <a:r>
-              <a:rPr lang="en-US" sz="3200" spc="320">
-                <a:solidFill>
-                  <a:srgbClr val="000000"/>
-                </a:solidFill>
-                <a:latin typeface="Lato"/>
-              </a:rPr>
-              <a:t>Apresentado por: Eliane Dantas e Natalia Costa</a:t>
-            </a:r>
+            <a:endParaRPr lang="en-US" sz="3200" spc="320" dirty="0">
+              <a:solidFill>
+                <a:srgbClr val="000000"/>
+              </a:solidFill>
+              <a:latin typeface="Lato"/>
+            </a:endParaRPr>
           </a:p>
         </p:txBody>
       </p:sp>
@@ -3436,6 +3554,13 @@
             </a:stretch>
           </a:blipFill>
         </p:spPr>
+        <p:txBody>
+          <a:bodyPr/>
+          <a:lstStyle/>
+          <a:p>
+            <a:endParaRPr lang="pt-BR"/>
+          </a:p>
+        </p:txBody>
       </p:sp>
       <p:grpSp>
         <p:nvGrpSpPr>
@@ -3490,6 +3615,13 @@
               <a:srgbClr val="2B4A9D"/>
             </a:solidFill>
           </p:spPr>
+          <p:txBody>
+            <a:bodyPr/>
+            <a:lstStyle/>
+            <a:p>
+              <a:endParaRPr lang="pt-BR"/>
+            </a:p>
+          </p:txBody>
         </p:sp>
       </p:grpSp>
     </p:spTree>
@@ -3570,6 +3702,13 @@
               <a:srgbClr val="2B4A9D"/>
             </a:solidFill>
           </p:spPr>
+          <p:txBody>
+            <a:bodyPr/>
+            <a:lstStyle/>
+            <a:p>
+              <a:endParaRPr lang="pt-BR"/>
+            </a:p>
+          </p:txBody>
         </p:sp>
       </p:grpSp>
       <p:sp>
@@ -3617,6 +3756,13 @@
             </a:stretch>
           </a:blipFill>
         </p:spPr>
+        <p:txBody>
+          <a:bodyPr/>
+          <a:lstStyle/>
+          <a:p>
+            <a:endParaRPr lang="pt-BR"/>
+          </a:p>
+        </p:txBody>
       </p:sp>
       <p:sp>
         <p:nvSpPr>
@@ -3881,6 +4027,13 @@
               <a:srgbClr val="5271FF"/>
             </a:solidFill>
           </p:spPr>
+          <p:txBody>
+            <a:bodyPr/>
+            <a:lstStyle/>
+            <a:p>
+              <a:endParaRPr lang="pt-BR"/>
+            </a:p>
+          </p:txBody>
         </p:sp>
       </p:grpSp>
       <p:grpSp>
@@ -3955,6 +4108,13 @@
               <a:srgbClr val="FFFFFF"/>
             </a:solidFill>
           </p:spPr>
+          <p:txBody>
+            <a:bodyPr/>
+            <a:lstStyle/>
+            <a:p>
+              <a:endParaRPr lang="pt-BR"/>
+            </a:p>
+          </p:txBody>
         </p:sp>
       </p:grpSp>
       <p:grpSp>
@@ -4010,6 +4170,13 @@
               <a:srgbClr val="2B4A9D"/>
             </a:solidFill>
           </p:spPr>
+          <p:txBody>
+            <a:bodyPr/>
+            <a:lstStyle/>
+            <a:p>
+              <a:endParaRPr lang="pt-BR"/>
+            </a:p>
+          </p:txBody>
         </p:sp>
       </p:grpSp>
       <p:sp>
@@ -4057,6 +4224,13 @@
             </a:stretch>
           </a:blipFill>
         </p:spPr>
+        <p:txBody>
+          <a:bodyPr/>
+          <a:lstStyle/>
+          <a:p>
+            <a:endParaRPr lang="pt-BR"/>
+          </a:p>
+        </p:txBody>
       </p:sp>
       <p:sp>
         <p:nvSpPr>
@@ -4505,6 +4679,13 @@
               <a:srgbClr val="2B4A9D"/>
             </a:solidFill>
           </p:spPr>
+          <p:txBody>
+            <a:bodyPr/>
+            <a:lstStyle/>
+            <a:p>
+              <a:endParaRPr lang="pt-BR"/>
+            </a:p>
+          </p:txBody>
         </p:sp>
       </p:grpSp>
       <p:sp>
@@ -4552,6 +4733,13 @@
             </a:stretch>
           </a:blipFill>
         </p:spPr>
+        <p:txBody>
+          <a:bodyPr/>
+          <a:lstStyle/>
+          <a:p>
+            <a:endParaRPr lang="pt-BR"/>
+          </a:p>
+        </p:txBody>
       </p:sp>
       <p:sp>
         <p:nvSpPr>
@@ -5010,6 +5198,13 @@
               <a:srgbClr val="2B4A9D"/>
             </a:solidFill>
           </p:spPr>
+          <p:txBody>
+            <a:bodyPr/>
+            <a:lstStyle/>
+            <a:p>
+              <a:endParaRPr lang="pt-BR"/>
+            </a:p>
+          </p:txBody>
         </p:sp>
       </p:grpSp>
     </p:spTree>
@@ -5090,6 +5285,13 @@
               <a:srgbClr val="2B4A9D"/>
             </a:solidFill>
           </p:spPr>
+          <p:txBody>
+            <a:bodyPr/>
+            <a:lstStyle/>
+            <a:p>
+              <a:endParaRPr lang="pt-BR"/>
+            </a:p>
+          </p:txBody>
         </p:sp>
       </p:grpSp>
       <p:grpSp>
@@ -5145,6 +5347,13 @@
               <a:srgbClr val="2B4A9D"/>
             </a:solidFill>
           </p:spPr>
+          <p:txBody>
+            <a:bodyPr/>
+            <a:lstStyle/>
+            <a:p>
+              <a:endParaRPr lang="pt-BR"/>
+            </a:p>
+          </p:txBody>
         </p:sp>
       </p:grpSp>
       <p:grpSp>
@@ -5219,6 +5428,13 @@
               <a:srgbClr val="FFFFFF"/>
             </a:solidFill>
           </p:spPr>
+          <p:txBody>
+            <a:bodyPr/>
+            <a:lstStyle/>
+            <a:p>
+              <a:endParaRPr lang="pt-BR"/>
+            </a:p>
+          </p:txBody>
         </p:sp>
       </p:grpSp>
       <p:grpSp>
@@ -5293,6 +5509,13 @@
               <a:srgbClr val="2B4A9D"/>
             </a:solidFill>
           </p:spPr>
+          <p:txBody>
+            <a:bodyPr/>
+            <a:lstStyle/>
+            <a:p>
+              <a:endParaRPr lang="pt-BR"/>
+            </a:p>
+          </p:txBody>
         </p:sp>
       </p:grpSp>
       <p:grpSp>
@@ -5367,6 +5590,13 @@
               <a:srgbClr val="2B4A9D"/>
             </a:solidFill>
           </p:spPr>
+          <p:txBody>
+            <a:bodyPr/>
+            <a:lstStyle/>
+            <a:p>
+              <a:endParaRPr lang="pt-BR"/>
+            </a:p>
+          </p:txBody>
         </p:sp>
       </p:grpSp>
       <p:grpSp>
@@ -5447,6 +5677,13 @@
               <a:srgbClr val="2B4A9D"/>
             </a:solidFill>
           </p:spPr>
+          <p:txBody>
+            <a:bodyPr/>
+            <a:lstStyle/>
+            <a:p>
+              <a:endParaRPr lang="pt-BR"/>
+            </a:p>
+          </p:txBody>
         </p:sp>
       </p:grpSp>
       <p:sp>
@@ -5565,6 +5802,13 @@
               <a:srgbClr val="2B4A9D"/>
             </a:solidFill>
           </p:spPr>
+          <p:txBody>
+            <a:bodyPr/>
+            <a:lstStyle/>
+            <a:p>
+              <a:endParaRPr lang="pt-BR"/>
+            </a:p>
+          </p:txBody>
         </p:sp>
       </p:grpSp>
       <p:grpSp>
@@ -5645,6 +5889,13 @@
               <a:srgbClr val="2B4A9D"/>
             </a:solidFill>
           </p:spPr>
+          <p:txBody>
+            <a:bodyPr/>
+            <a:lstStyle/>
+            <a:p>
+              <a:endParaRPr lang="pt-BR"/>
+            </a:p>
+          </p:txBody>
         </p:sp>
       </p:grpSp>
       <p:grpSp>
@@ -5725,6 +5976,13 @@
               <a:srgbClr val="2B4A9D"/>
             </a:solidFill>
           </p:spPr>
+          <p:txBody>
+            <a:bodyPr/>
+            <a:lstStyle/>
+            <a:p>
+              <a:endParaRPr lang="pt-BR"/>
+            </a:p>
+          </p:txBody>
         </p:sp>
       </p:grpSp>
       <p:sp>
@@ -5919,6 +6177,13 @@
               <a:srgbClr val="2B4A9D"/>
             </a:solidFill>
           </p:spPr>
+          <p:txBody>
+            <a:bodyPr/>
+            <a:lstStyle/>
+            <a:p>
+              <a:endParaRPr lang="pt-BR"/>
+            </a:p>
+          </p:txBody>
         </p:sp>
       </p:grpSp>
       <p:sp>
@@ -6075,6 +6340,13 @@
               <a:srgbClr val="2B4A9D"/>
             </a:solidFill>
           </p:spPr>
+          <p:txBody>
+            <a:bodyPr/>
+            <a:lstStyle/>
+            <a:p>
+              <a:endParaRPr lang="pt-BR"/>
+            </a:p>
+          </p:txBody>
         </p:sp>
       </p:grpSp>
     </p:spTree>
@@ -6155,6 +6427,13 @@
               <a:srgbClr val="2B4A9D"/>
             </a:solidFill>
           </p:spPr>
+          <p:txBody>
+            <a:bodyPr/>
+            <a:lstStyle/>
+            <a:p>
+              <a:endParaRPr lang="pt-BR"/>
+            </a:p>
+          </p:txBody>
         </p:sp>
       </p:grpSp>
       <p:sp>
@@ -6202,6 +6481,13 @@
             </a:stretch>
           </a:blipFill>
         </p:spPr>
+        <p:txBody>
+          <a:bodyPr/>
+          <a:lstStyle/>
+          <a:p>
+            <a:endParaRPr lang="pt-BR"/>
+          </a:p>
+        </p:txBody>
       </p:sp>
       <p:sp>
         <p:nvSpPr>
@@ -6456,6 +6742,13 @@
               <a:srgbClr val="2B4A9D"/>
             </a:solidFill>
           </p:spPr>
+          <p:txBody>
+            <a:bodyPr/>
+            <a:lstStyle/>
+            <a:p>
+              <a:endParaRPr lang="pt-BR"/>
+            </a:p>
+          </p:txBody>
         </p:sp>
       </p:grpSp>
       <p:sp>
@@ -6503,6 +6796,13 @@
             </a:stretch>
           </a:blipFill>
         </p:spPr>
+        <p:txBody>
+          <a:bodyPr/>
+          <a:lstStyle/>
+          <a:p>
+            <a:endParaRPr lang="pt-BR"/>
+          </a:p>
+        </p:txBody>
       </p:sp>
       <p:sp>
         <p:nvSpPr>
@@ -6753,6 +7053,13 @@
               <a:srgbClr val="2B4A9D"/>
             </a:solidFill>
           </p:spPr>
+          <p:txBody>
+            <a:bodyPr/>
+            <a:lstStyle/>
+            <a:p>
+              <a:endParaRPr lang="pt-BR"/>
+            </a:p>
+          </p:txBody>
         </p:sp>
       </p:grpSp>
       <p:sp>
@@ -6800,6 +7107,13 @@
             </a:stretch>
           </a:blipFill>
         </p:spPr>
+        <p:txBody>
+          <a:bodyPr/>
+          <a:lstStyle/>
+          <a:p>
+            <a:endParaRPr lang="pt-BR"/>
+          </a:p>
+        </p:txBody>
       </p:sp>
       <p:sp>
         <p:nvSpPr>
@@ -6846,6 +7160,13 @@
             </a:stretch>
           </a:blipFill>
         </p:spPr>
+        <p:txBody>
+          <a:bodyPr/>
+          <a:lstStyle/>
+          <a:p>
+            <a:endParaRPr lang="pt-BR"/>
+          </a:p>
+        </p:txBody>
       </p:sp>
       <p:sp>
         <p:nvSpPr>
@@ -7302,6 +7623,13 @@
               <a:srgbClr val="5271FF"/>
             </a:solidFill>
           </p:spPr>
+          <p:txBody>
+            <a:bodyPr/>
+            <a:lstStyle/>
+            <a:p>
+              <a:endParaRPr lang="pt-BR"/>
+            </a:p>
+          </p:txBody>
         </p:sp>
       </p:grpSp>
       <p:grpSp>
@@ -7376,6 +7704,13 @@
               <a:srgbClr val="FFFFFF"/>
             </a:solidFill>
           </p:spPr>
+          <p:txBody>
+            <a:bodyPr/>
+            <a:lstStyle/>
+            <a:p>
+              <a:endParaRPr lang="pt-BR"/>
+            </a:p>
+          </p:txBody>
         </p:sp>
       </p:grpSp>
       <p:grpSp>
@@ -7431,6 +7766,13 @@
               <a:srgbClr val="2B4A9D"/>
             </a:solidFill>
           </p:spPr>
+          <p:txBody>
+            <a:bodyPr/>
+            <a:lstStyle/>
+            <a:p>
+              <a:endParaRPr lang="pt-BR"/>
+            </a:p>
+          </p:txBody>
         </p:sp>
       </p:grpSp>
       <p:sp>
@@ -7478,6 +7820,13 @@
             </a:stretch>
           </a:blipFill>
         </p:spPr>
+        <p:txBody>
+          <a:bodyPr/>
+          <a:lstStyle/>
+          <a:p>
+            <a:endParaRPr lang="pt-BR"/>
+          </a:p>
+        </p:txBody>
       </p:sp>
       <p:sp>
         <p:nvSpPr>
@@ -7690,6 +8039,13 @@
               <a:srgbClr val="2B4A9D"/>
             </a:solidFill>
           </p:spPr>
+          <p:txBody>
+            <a:bodyPr/>
+            <a:lstStyle/>
+            <a:p>
+              <a:endParaRPr lang="pt-BR"/>
+            </a:p>
+          </p:txBody>
         </p:sp>
       </p:grpSp>
       <p:sp>
@@ -7737,6 +8093,13 @@
             </a:stretch>
           </a:blipFill>
         </p:spPr>
+        <p:txBody>
+          <a:bodyPr/>
+          <a:lstStyle/>
+          <a:p>
+            <a:endParaRPr lang="pt-BR"/>
+          </a:p>
+        </p:txBody>
       </p:sp>
       <p:sp>
         <p:nvSpPr>
@@ -8017,6 +8380,13 @@
               <a:srgbClr val="2B4A9D"/>
             </a:solidFill>
           </p:spPr>
+          <p:txBody>
+            <a:bodyPr/>
+            <a:lstStyle/>
+            <a:p>
+              <a:endParaRPr lang="pt-BR"/>
+            </a:p>
+          </p:txBody>
         </p:sp>
       </p:grpSp>
       <p:sp>
@@ -8064,6 +8434,13 @@
             </a:stretch>
           </a:blipFill>
         </p:spPr>
+        <p:txBody>
+          <a:bodyPr/>
+          <a:lstStyle/>
+          <a:p>
+            <a:endParaRPr lang="pt-BR"/>
+          </a:p>
+        </p:txBody>
       </p:sp>
       <p:sp>
         <p:nvSpPr>
@@ -8110,6 +8487,13 @@
             </a:stretch>
           </a:blipFill>
         </p:spPr>
+        <p:txBody>
+          <a:bodyPr/>
+          <a:lstStyle/>
+          <a:p>
+            <a:endParaRPr lang="pt-BR"/>
+          </a:p>
+        </p:txBody>
       </p:sp>
       <p:sp>
         <p:nvSpPr>
@@ -9040,6 +9424,13 @@
               <a:srgbClr val="5271FF"/>
             </a:solidFill>
           </p:spPr>
+          <p:txBody>
+            <a:bodyPr/>
+            <a:lstStyle/>
+            <a:p>
+              <a:endParaRPr lang="pt-BR"/>
+            </a:p>
+          </p:txBody>
         </p:sp>
       </p:grpSp>
       <p:grpSp>
@@ -9114,6 +9505,13 @@
               <a:srgbClr val="FFFFFF"/>
             </a:solidFill>
           </p:spPr>
+          <p:txBody>
+            <a:bodyPr/>
+            <a:lstStyle/>
+            <a:p>
+              <a:endParaRPr lang="pt-BR"/>
+            </a:p>
+          </p:txBody>
         </p:sp>
       </p:grpSp>
       <p:grpSp>
@@ -9169,6 +9567,13 @@
               <a:srgbClr val="2B4A9D"/>
             </a:solidFill>
           </p:spPr>
+          <p:txBody>
+            <a:bodyPr/>
+            <a:lstStyle/>
+            <a:p>
+              <a:endParaRPr lang="pt-BR"/>
+            </a:p>
+          </p:txBody>
         </p:sp>
       </p:grpSp>
       <p:sp>
@@ -9216,6 +9621,13 @@
             </a:stretch>
           </a:blipFill>
         </p:spPr>
+        <p:txBody>
+          <a:bodyPr/>
+          <a:lstStyle/>
+          <a:p>
+            <a:endParaRPr lang="pt-BR"/>
+          </a:p>
+        </p:txBody>
       </p:sp>
       <p:sp>
         <p:nvSpPr>
